--- a/Untitled presentation.pptx
+++ b/Untitled presentation.pptx
@@ -16,35 +16,38 @@
     <p:sldId id="261" r:id="rId11"/>
     <p:sldId id="262" r:id="rId12"/>
     <p:sldId id="263" r:id="rId13"/>
+    <p:sldId id="264" r:id="rId14"/>
+    <p:sldId id="265" r:id="rId15"/>
+    <p:sldId id="266" r:id="rId16"/>
   </p:sldIdLst>
   <p:sldSz cy="5143500" cx="9144000"/>
   <p:notesSz cx="6858000" cy="9144000"/>
   <p:embeddedFontLst>
     <p:embeddedFont>
       <p:font typeface="Roboto"/>
-      <p:regular r:id="rId14"/>
-      <p:bold r:id="rId15"/>
-      <p:italic r:id="rId16"/>
-      <p:boldItalic r:id="rId17"/>
+      <p:regular r:id="rId17"/>
+      <p:bold r:id="rId18"/>
+      <p:italic r:id="rId19"/>
+      <p:boldItalic r:id="rId20"/>
     </p:embeddedFont>
     <p:embeddedFont>
       <p:font typeface="Montserrat"/>
-      <p:regular r:id="rId18"/>
-      <p:bold r:id="rId19"/>
-      <p:italic r:id="rId20"/>
-      <p:boldItalic r:id="rId21"/>
+      <p:regular r:id="rId21"/>
+      <p:bold r:id="rId22"/>
+      <p:italic r:id="rId23"/>
+      <p:boldItalic r:id="rId24"/>
     </p:embeddedFont>
     <p:embeddedFont>
       <p:font typeface="Lato"/>
-      <p:regular r:id="rId22"/>
-      <p:bold r:id="rId23"/>
-      <p:italic r:id="rId24"/>
-      <p:boldItalic r:id="rId25"/>
+      <p:regular r:id="rId25"/>
+      <p:bold r:id="rId26"/>
+      <p:italic r:id="rId27"/>
+      <p:boldItalic r:id="rId28"/>
     </p:embeddedFont>
     <p:embeddedFont>
       <p:font typeface="Oswald"/>
-      <p:regular r:id="rId26"/>
-      <p:bold r:id="rId27"/>
+      <p:regular r:id="rId29"/>
+      <p:bold r:id="rId30"/>
     </p:embeddedFont>
   </p:embeddedFontLst>
   <p:defaultTextStyle>
@@ -818,6 +821,204 @@
 </p:notes>
 </file>
 
+<file path=ppt/notesSlides/notesSlide10.xml><?xml version="1.0" encoding="utf-8"?>
+<p:notes xmlns:a="http://schemas.openxmlformats.org/drawingml/2006/main" xmlns:r="http://schemas.openxmlformats.org/officeDocument/2006/relationships" xmlns:mc="http://schemas.openxmlformats.org/markup-compatibility/2006" xmlns:mv="urn:schemas-microsoft-com:mac:vml" xmlns:p="http://schemas.openxmlformats.org/presentationml/2006/main" xmlns:c="http://schemas.openxmlformats.org/drawingml/2006/chart" xmlns:dgm="http://schemas.openxmlformats.org/drawingml/2006/diagram" xmlns:o="urn:schemas-microsoft-com:office:office" xmlns:v="urn:schemas-microsoft-com:vml" xmlns:pvml="urn:schemas-microsoft-com:office:powerpoint" xmlns:com="http://schemas.openxmlformats.org/drawingml/2006/compatibility" xmlns:p14="http://schemas.microsoft.com/office/powerpoint/2010/main" xmlns:p15="http://schemas.microsoft.com/office/powerpoint/2012/main" showMasterPhAnim="0" showMasterSp="0">
+  <p:cSld>
+    <p:spTree>
+      <p:nvGrpSpPr>
+        <p:cNvPr id="184" name="Shape 184"/>
+        <p:cNvGrpSpPr/>
+        <p:nvPr/>
+      </p:nvGrpSpPr>
+      <p:grpSpPr>
+        <a:xfrm>
+          <a:off x="0" y="0"/>
+          <a:ext cx="0" cy="0"/>
+          <a:chOff x="0" y="0"/>
+          <a:chExt cx="0" cy="0"/>
+        </a:xfrm>
+      </p:grpSpPr>
+      <p:sp>
+        <p:nvSpPr>
+          <p:cNvPr id="185" name="Google Shape;185;g4fdfda06d9_0_1384:notes"/>
+          <p:cNvSpPr/>
+          <p:nvPr>
+            <p:ph idx="2" type="sldImg"/>
+          </p:nvPr>
+        </p:nvSpPr>
+        <p:spPr>
+          <a:xfrm>
+            <a:off x="381300" y="685800"/>
+            <a:ext cx="6096000" cy="3429000"/>
+          </a:xfrm>
+          <a:custGeom>
+            <a:rect b="b" l="l" r="r" t="t"/>
+            <a:pathLst>
+              <a:path extrusionOk="0" h="120000" w="120000">
+                <a:moveTo>
+                  <a:pt x="0" y="0"/>
+                </a:moveTo>
+                <a:lnTo>
+                  <a:pt x="120000" y="0"/>
+                </a:lnTo>
+                <a:lnTo>
+                  <a:pt x="120000" y="120000"/>
+                </a:lnTo>
+                <a:lnTo>
+                  <a:pt x="0" y="120000"/>
+                </a:lnTo>
+                <a:close/>
+              </a:path>
+            </a:pathLst>
+          </a:custGeom>
+        </p:spPr>
+      </p:sp>
+      <p:sp>
+        <p:nvSpPr>
+          <p:cNvPr id="186" name="Google Shape;186;g4fdfda06d9_0_1384:notes"/>
+          <p:cNvSpPr txBox="1"/>
+          <p:nvPr>
+            <p:ph idx="1" type="body"/>
+          </p:nvPr>
+        </p:nvSpPr>
+        <p:spPr>
+          <a:xfrm>
+            <a:off x="685800" y="4343400"/>
+            <a:ext cx="5486400" cy="4114800"/>
+          </a:xfrm>
+          <a:prstGeom prst="rect">
+            <a:avLst/>
+          </a:prstGeom>
+        </p:spPr>
+        <p:txBody>
+          <a:bodyPr anchorCtr="0" anchor="t" bIns="91425" lIns="91425" spcFirstLastPara="1" rIns="91425" wrap="square" tIns="91425">
+            <a:noAutofit/>
+          </a:bodyPr>
+          <a:lstStyle/>
+          <a:p>
+            <a:pPr indent="0" lvl="0" marL="0" rtl="0" algn="l">
+              <a:spcBef>
+                <a:spcPts val="0"/>
+              </a:spcBef>
+              <a:spcAft>
+                <a:spcPts val="0"/>
+              </a:spcAft>
+              <a:buNone/>
+            </a:pPr>
+            <a:r>
+              <a:t/>
+            </a:r>
+            <a:endParaRPr/>
+          </a:p>
+        </p:txBody>
+      </p:sp>
+    </p:spTree>
+  </p:cSld>
+  <p:clrMapOvr>
+    <a:masterClrMapping/>
+  </p:clrMapOvr>
+</p:notes>
+</file>
+
+<file path=ppt/notesSlides/notesSlide11.xml><?xml version="1.0" encoding="utf-8"?>
+<p:notes xmlns:a="http://schemas.openxmlformats.org/drawingml/2006/main" xmlns:r="http://schemas.openxmlformats.org/officeDocument/2006/relationships" xmlns:mc="http://schemas.openxmlformats.org/markup-compatibility/2006" xmlns:mv="urn:schemas-microsoft-com:mac:vml" xmlns:p="http://schemas.openxmlformats.org/presentationml/2006/main" xmlns:c="http://schemas.openxmlformats.org/drawingml/2006/chart" xmlns:dgm="http://schemas.openxmlformats.org/drawingml/2006/diagram" xmlns:o="urn:schemas-microsoft-com:office:office" xmlns:v="urn:schemas-microsoft-com:vml" xmlns:pvml="urn:schemas-microsoft-com:office:powerpoint" xmlns:com="http://schemas.openxmlformats.org/drawingml/2006/compatibility" xmlns:p14="http://schemas.microsoft.com/office/powerpoint/2010/main" xmlns:p15="http://schemas.microsoft.com/office/powerpoint/2012/main" showMasterPhAnim="0" showMasterSp="0">
+  <p:cSld>
+    <p:spTree>
+      <p:nvGrpSpPr>
+        <p:cNvPr id="190" name="Shape 190"/>
+        <p:cNvGrpSpPr/>
+        <p:nvPr/>
+      </p:nvGrpSpPr>
+      <p:grpSpPr>
+        <a:xfrm>
+          <a:off x="0" y="0"/>
+          <a:ext cx="0" cy="0"/>
+          <a:chOff x="0" y="0"/>
+          <a:chExt cx="0" cy="0"/>
+        </a:xfrm>
+      </p:grpSpPr>
+      <p:sp>
+        <p:nvSpPr>
+          <p:cNvPr id="191" name="Google Shape;191;g4fdfda06d9_0_1394:notes"/>
+          <p:cNvSpPr/>
+          <p:nvPr>
+            <p:ph idx="2" type="sldImg"/>
+          </p:nvPr>
+        </p:nvSpPr>
+        <p:spPr>
+          <a:xfrm>
+            <a:off x="381300" y="685800"/>
+            <a:ext cx="6096000" cy="3429000"/>
+          </a:xfrm>
+          <a:custGeom>
+            <a:rect b="b" l="l" r="r" t="t"/>
+            <a:pathLst>
+              <a:path extrusionOk="0" h="120000" w="120000">
+                <a:moveTo>
+                  <a:pt x="0" y="0"/>
+                </a:moveTo>
+                <a:lnTo>
+                  <a:pt x="120000" y="0"/>
+                </a:lnTo>
+                <a:lnTo>
+                  <a:pt x="120000" y="120000"/>
+                </a:lnTo>
+                <a:lnTo>
+                  <a:pt x="0" y="120000"/>
+                </a:lnTo>
+                <a:close/>
+              </a:path>
+            </a:pathLst>
+          </a:custGeom>
+        </p:spPr>
+      </p:sp>
+      <p:sp>
+        <p:nvSpPr>
+          <p:cNvPr id="192" name="Google Shape;192;g4fdfda06d9_0_1394:notes"/>
+          <p:cNvSpPr txBox="1"/>
+          <p:nvPr>
+            <p:ph idx="1" type="body"/>
+          </p:nvPr>
+        </p:nvSpPr>
+        <p:spPr>
+          <a:xfrm>
+            <a:off x="685800" y="4343400"/>
+            <a:ext cx="5486400" cy="4114800"/>
+          </a:xfrm>
+          <a:prstGeom prst="rect">
+            <a:avLst/>
+          </a:prstGeom>
+        </p:spPr>
+        <p:txBody>
+          <a:bodyPr anchorCtr="0" anchor="t" bIns="91425" lIns="91425" spcFirstLastPara="1" rIns="91425" wrap="square" tIns="91425">
+            <a:noAutofit/>
+          </a:bodyPr>
+          <a:lstStyle/>
+          <a:p>
+            <a:pPr indent="0" lvl="0" marL="0" rtl="0" algn="l">
+              <a:spcBef>
+                <a:spcPts val="0"/>
+              </a:spcBef>
+              <a:spcAft>
+                <a:spcPts val="0"/>
+              </a:spcAft>
+              <a:buNone/>
+            </a:pPr>
+            <a:r>
+              <a:t/>
+            </a:r>
+            <a:endParaRPr/>
+          </a:p>
+        </p:txBody>
+      </p:sp>
+    </p:spTree>
+  </p:cSld>
+  <p:clrMapOvr>
+    <a:masterClrMapping/>
+  </p:clrMapOvr>
+</p:notes>
+</file>
+
 <file path=ppt/notesSlides/notesSlide2.xml><?xml version="1.0" encoding="utf-8"?>
 <p:notes xmlns:a="http://schemas.openxmlformats.org/drawingml/2006/main" xmlns:r="http://schemas.openxmlformats.org/officeDocument/2006/relationships" xmlns:mc="http://schemas.openxmlformats.org/markup-compatibility/2006" xmlns:mv="urn:schemas-microsoft-com:mac:vml" xmlns:p="http://schemas.openxmlformats.org/presentationml/2006/main" xmlns:c="http://schemas.openxmlformats.org/drawingml/2006/chart" xmlns:dgm="http://schemas.openxmlformats.org/drawingml/2006/diagram" xmlns:o="urn:schemas-microsoft-com:office:office" xmlns:v="urn:schemas-microsoft-com:vml" xmlns:pvml="urn:schemas-microsoft-com:office:powerpoint" xmlns:com="http://schemas.openxmlformats.org/drawingml/2006/compatibility" xmlns:p14="http://schemas.microsoft.com/office/powerpoint/2010/main" xmlns:p15="http://schemas.microsoft.com/office/powerpoint/2012/main" showMasterPhAnim="0" showMasterSp="0">
   <p:cSld>
@@ -1511,6 +1712,105 @@
 </p:notes>
 </file>
 
+<file path=ppt/notesSlides/notesSlide9.xml><?xml version="1.0" encoding="utf-8"?>
+<p:notes xmlns:a="http://schemas.openxmlformats.org/drawingml/2006/main" xmlns:r="http://schemas.openxmlformats.org/officeDocument/2006/relationships" xmlns:mc="http://schemas.openxmlformats.org/markup-compatibility/2006" xmlns:mv="urn:schemas-microsoft-com:mac:vml" xmlns:p="http://schemas.openxmlformats.org/presentationml/2006/main" xmlns:c="http://schemas.openxmlformats.org/drawingml/2006/chart" xmlns:dgm="http://schemas.openxmlformats.org/drawingml/2006/diagram" xmlns:o="urn:schemas-microsoft-com:office:office" xmlns:v="urn:schemas-microsoft-com:vml" xmlns:pvml="urn:schemas-microsoft-com:office:powerpoint" xmlns:com="http://schemas.openxmlformats.org/drawingml/2006/compatibility" xmlns:p14="http://schemas.microsoft.com/office/powerpoint/2010/main" xmlns:p15="http://schemas.microsoft.com/office/powerpoint/2012/main" showMasterPhAnim="0" showMasterSp="0">
+  <p:cSld>
+    <p:spTree>
+      <p:nvGrpSpPr>
+        <p:cNvPr id="179" name="Shape 179"/>
+        <p:cNvGrpSpPr/>
+        <p:nvPr/>
+      </p:nvGrpSpPr>
+      <p:grpSpPr>
+        <a:xfrm>
+          <a:off x="0" y="0"/>
+          <a:ext cx="0" cy="0"/>
+          <a:chOff x="0" y="0"/>
+          <a:chExt cx="0" cy="0"/>
+        </a:xfrm>
+      </p:grpSpPr>
+      <p:sp>
+        <p:nvSpPr>
+          <p:cNvPr id="180" name="Google Shape;180;g4fdfda06d9_0_1379:notes"/>
+          <p:cNvSpPr/>
+          <p:nvPr>
+            <p:ph idx="2" type="sldImg"/>
+          </p:nvPr>
+        </p:nvSpPr>
+        <p:spPr>
+          <a:xfrm>
+            <a:off x="381300" y="685800"/>
+            <a:ext cx="6096000" cy="3429000"/>
+          </a:xfrm>
+          <a:custGeom>
+            <a:rect b="b" l="l" r="r" t="t"/>
+            <a:pathLst>
+              <a:path extrusionOk="0" h="120000" w="120000">
+                <a:moveTo>
+                  <a:pt x="0" y="0"/>
+                </a:moveTo>
+                <a:lnTo>
+                  <a:pt x="120000" y="0"/>
+                </a:lnTo>
+                <a:lnTo>
+                  <a:pt x="120000" y="120000"/>
+                </a:lnTo>
+                <a:lnTo>
+                  <a:pt x="0" y="120000"/>
+                </a:lnTo>
+                <a:close/>
+              </a:path>
+            </a:pathLst>
+          </a:custGeom>
+        </p:spPr>
+      </p:sp>
+      <p:sp>
+        <p:nvSpPr>
+          <p:cNvPr id="181" name="Google Shape;181;g4fdfda06d9_0_1379:notes"/>
+          <p:cNvSpPr txBox="1"/>
+          <p:nvPr>
+            <p:ph idx="1" type="body"/>
+          </p:nvPr>
+        </p:nvSpPr>
+        <p:spPr>
+          <a:xfrm>
+            <a:off x="685800" y="4343400"/>
+            <a:ext cx="5486400" cy="4114800"/>
+          </a:xfrm>
+          <a:prstGeom prst="rect">
+            <a:avLst/>
+          </a:prstGeom>
+        </p:spPr>
+        <p:txBody>
+          <a:bodyPr anchorCtr="0" anchor="t" bIns="91425" lIns="91425" spcFirstLastPara="1" rIns="91425" wrap="square" tIns="91425">
+            <a:noAutofit/>
+          </a:bodyPr>
+          <a:lstStyle/>
+          <a:p>
+            <a:pPr indent="0" lvl="0" marL="0" rtl="0" algn="l">
+              <a:spcBef>
+                <a:spcPts val="0"/>
+              </a:spcBef>
+              <a:spcAft>
+                <a:spcPts val="0"/>
+              </a:spcAft>
+              <a:buNone/>
+            </a:pPr>
+            <a:r>
+              <a:t/>
+            </a:r>
+            <a:endParaRPr/>
+          </a:p>
+        </p:txBody>
+      </p:sp>
+    </p:spTree>
+  </p:cSld>
+  <p:clrMapOvr>
+    <a:masterClrMapping/>
+  </p:clrMapOvr>
+</p:notes>
+</file>
+
 <file path=ppt/slideLayouts/slideLayout1.xml><?xml version="1.0" encoding="utf-8"?>
 <p:sldLayout xmlns:a="http://schemas.openxmlformats.org/drawingml/2006/main" xmlns:r="http://schemas.openxmlformats.org/officeDocument/2006/relationships" xmlns:mc="http://schemas.openxmlformats.org/markup-compatibility/2006" xmlns:mv="urn:schemas-microsoft-com:mac:vml" xmlns:p="http://schemas.openxmlformats.org/presentationml/2006/main" xmlns:c="http://schemas.openxmlformats.org/drawingml/2006/chart" xmlns:dgm="http://schemas.openxmlformats.org/drawingml/2006/diagram" xmlns:o="urn:schemas-microsoft-com:office:office" xmlns:v="urn:schemas-microsoft-com:vml" xmlns:pvml="urn:schemas-microsoft-com:office:powerpoint" xmlns:com="http://schemas.openxmlformats.org/drawingml/2006/compatibility" xmlns:p14="http://schemas.microsoft.com/office/powerpoint/2010/main" xmlns:p15="http://schemas.microsoft.com/office/powerpoint/2012/main" matchingName="Title slide" type="title">
   <p:cSld name="TITLE">
@@ -8961,6 +9261,18 @@
     <p:sldLayoutId id="2147483657" r:id="rId10"/>
     <p:sldLayoutId id="2147483658" r:id="rId11"/>
   </p:sldLayoutIdLst>
+  <mc:AlternateContent>
+    <mc:Choice Requires="p14">
+      <p:transition spd="slow" p14:dur="3200">
+        <p:fade/>
+      </p:transition>
+    </mc:Choice>
+    <mc:Fallback>
+      <p:transition spd="slow">
+        <p:fade/>
+      </p:transition>
+    </mc:Fallback>
+  </mc:AlternateContent>
   <p:hf dt="0" ftr="0" hdr="0" sldNum="0"/>
   <p:txStyles>
     <p:titleStyle>
@@ -9821,18 +10133,603 @@
   <p:clrMapOvr>
     <a:masterClrMapping/>
   </p:clrMapOvr>
-  <mc:AlternateContent>
-    <mc:Choice Requires="p14">
-      <p:transition spd="slow" p14:dur="1900">
-        <p:fade/>
-      </p:transition>
-    </mc:Choice>
-    <mc:Fallback>
-      <p:transition spd="slow">
-        <p:fade/>
-      </p:transition>
-    </mc:Fallback>
-  </mc:AlternateContent>
+</p:sld>
+</file>
+
+<file path=ppt/slides/slide10.xml><?xml version="1.0" encoding="utf-8"?>
+<p:sld xmlns:a="http://schemas.openxmlformats.org/drawingml/2006/main" xmlns:r="http://schemas.openxmlformats.org/officeDocument/2006/relationships" xmlns:mc="http://schemas.openxmlformats.org/markup-compatibility/2006" xmlns:mv="urn:schemas-microsoft-com:mac:vml" xmlns:p="http://schemas.openxmlformats.org/presentationml/2006/main" xmlns:c="http://schemas.openxmlformats.org/drawingml/2006/chart" xmlns:dgm="http://schemas.openxmlformats.org/drawingml/2006/diagram" xmlns:o="urn:schemas-microsoft-com:office:office" xmlns:v="urn:schemas-microsoft-com:vml" xmlns:pvml="urn:schemas-microsoft-com:office:powerpoint" xmlns:com="http://schemas.openxmlformats.org/drawingml/2006/compatibility" xmlns:p14="http://schemas.microsoft.com/office/powerpoint/2010/main" xmlns:p15="http://schemas.microsoft.com/office/powerpoint/2012/main">
+  <p:cSld>
+    <p:bg>
+      <p:bgPr>
+        <a:blipFill>
+          <a:blip r:embed="rId3">
+            <a:alphaModFix/>
+          </a:blip>
+          <a:stretch>
+            <a:fillRect/>
+          </a:stretch>
+        </a:blipFill>
+      </p:bgPr>
+    </p:bg>
+    <p:spTree>
+      <p:nvGrpSpPr>
+        <p:cNvPr id="187" name="Shape 187"/>
+        <p:cNvGrpSpPr/>
+        <p:nvPr/>
+      </p:nvGrpSpPr>
+      <p:grpSpPr>
+        <a:xfrm>
+          <a:off x="0" y="0"/>
+          <a:ext cx="0" cy="0"/>
+          <a:chOff x="0" y="0"/>
+          <a:chExt cx="0" cy="0"/>
+        </a:xfrm>
+      </p:grpSpPr>
+      <p:sp>
+        <p:nvSpPr>
+          <p:cNvPr id="188" name="Google Shape;188;p22"/>
+          <p:cNvSpPr txBox="1"/>
+          <p:nvPr>
+            <p:ph type="title"/>
+          </p:nvPr>
+        </p:nvSpPr>
+        <p:spPr>
+          <a:xfrm>
+            <a:off x="1297500" y="393750"/>
+            <a:ext cx="7038900" cy="728700"/>
+          </a:xfrm>
+          <a:prstGeom prst="rect">
+            <a:avLst/>
+          </a:prstGeom>
+        </p:spPr>
+        <p:txBody>
+          <a:bodyPr anchorCtr="0" anchor="t" bIns="91425" lIns="91425" spcFirstLastPara="1" rIns="91425" wrap="square" tIns="91425">
+            <a:noAutofit/>
+          </a:bodyPr>
+          <a:lstStyle/>
+          <a:p>
+            <a:pPr indent="0" lvl="0" marL="0" rtl="0" algn="l">
+              <a:spcBef>
+                <a:spcPts val="0"/>
+              </a:spcBef>
+              <a:spcAft>
+                <a:spcPts val="0"/>
+              </a:spcAft>
+              <a:buNone/>
+            </a:pPr>
+            <a:r>
+              <a:rPr b="1" lang="en-GB">
+                <a:solidFill>
+                  <a:srgbClr val="FFFF00"/>
+                </a:solidFill>
+              </a:rPr>
+              <a:t>Future Integrations and Scope: </a:t>
+            </a:r>
+            <a:endParaRPr b="1">
+              <a:solidFill>
+                <a:srgbClr val="FFFF00"/>
+              </a:solidFill>
+            </a:endParaRPr>
+          </a:p>
+        </p:txBody>
+      </p:sp>
+      <p:sp>
+        <p:nvSpPr>
+          <p:cNvPr id="189" name="Google Shape;189;p22"/>
+          <p:cNvSpPr txBox="1"/>
+          <p:nvPr>
+            <p:ph idx="1" type="body"/>
+          </p:nvPr>
+        </p:nvSpPr>
+        <p:spPr>
+          <a:xfrm>
+            <a:off x="1087800" y="1122450"/>
+            <a:ext cx="7829400" cy="3773700"/>
+          </a:xfrm>
+          <a:prstGeom prst="rect">
+            <a:avLst/>
+          </a:prstGeom>
+        </p:spPr>
+        <p:txBody>
+          <a:bodyPr anchorCtr="0" anchor="t" bIns="91425" lIns="91425" spcFirstLastPara="1" rIns="91425" wrap="square" tIns="91425">
+            <a:noAutofit/>
+          </a:bodyPr>
+          <a:lstStyle/>
+          <a:p>
+            <a:pPr indent="-317500" lvl="0" marL="457200" rtl="0" algn="l">
+              <a:spcBef>
+                <a:spcPts val="0"/>
+              </a:spcBef>
+              <a:spcAft>
+                <a:spcPts val="0"/>
+              </a:spcAft>
+              <a:buSzPts val="1400"/>
+              <a:buAutoNum type="arabicPeriod"/>
+            </a:pPr>
+            <a:r>
+              <a:rPr lang="en-GB" sz="1400"/>
+              <a:t>The first thing we can do is implement a kind of rewarding system so that when someone uploads any kind of true information or helps in  pooling he is rewarded with some points or credits which he can use later in shops or anywhere he wants to. This can be more motivating for users.</a:t>
+            </a:r>
+            <a:endParaRPr sz="1400"/>
+          </a:p>
+          <a:p>
+            <a:pPr indent="-317500" lvl="0" marL="457200" rtl="0" algn="l">
+              <a:spcBef>
+                <a:spcPts val="0"/>
+              </a:spcBef>
+              <a:spcAft>
+                <a:spcPts val="0"/>
+              </a:spcAft>
+              <a:buSzPts val="1400"/>
+              <a:buAutoNum type="arabicPeriod"/>
+            </a:pPr>
+            <a:r>
+              <a:rPr lang="en-GB" sz="1400"/>
+              <a:t>Now this app can be very useful for emergency situations like accident or something , anyone using our app or website can upload the news that there is an emergency needed at a particular location and our app can alert everyone nearby, for help.</a:t>
+            </a:r>
+            <a:endParaRPr sz="1400"/>
+          </a:p>
+          <a:p>
+            <a:pPr indent="-317500" lvl="0" marL="457200" rtl="0" algn="l">
+              <a:spcBef>
+                <a:spcPts val="0"/>
+              </a:spcBef>
+              <a:spcAft>
+                <a:spcPts val="0"/>
+              </a:spcAft>
+              <a:buSzPts val="1400"/>
+              <a:buAutoNum type="arabicPeriod"/>
+            </a:pPr>
+            <a:r>
+              <a:rPr lang="en-GB" sz="1400"/>
+              <a:t>The biggest thing , we can save so much time and resources, with lesser vehicles there will be lesser traffic problems and also lesser carbon emission.</a:t>
+            </a:r>
+            <a:endParaRPr sz="1400"/>
+          </a:p>
+          <a:p>
+            <a:pPr indent="-317500" lvl="0" marL="457200" rtl="0" algn="l">
+              <a:spcBef>
+                <a:spcPts val="0"/>
+              </a:spcBef>
+              <a:spcAft>
+                <a:spcPts val="0"/>
+              </a:spcAft>
+              <a:buSzPts val="1400"/>
+              <a:buAutoNum type="arabicPeriod"/>
+            </a:pPr>
+            <a:r>
+              <a:rPr lang="en-GB" sz="1400"/>
+              <a:t>We can search the location of a vehicle or any pedestrian automatically.We can also add automatic fare collection system, so the user don’t have to wait at a toll or parking ,everything will be real time and location based.</a:t>
+            </a:r>
+            <a:endParaRPr sz="1400"/>
+          </a:p>
+        </p:txBody>
+      </p:sp>
+    </p:spTree>
+  </p:cSld>
+  <p:clrMapOvr>
+    <a:masterClrMapping/>
+  </p:clrMapOvr>
+</p:sld>
+</file>
+
+<file path=ppt/slides/slide11.xml><?xml version="1.0" encoding="utf-8"?>
+<p:sld xmlns:a="http://schemas.openxmlformats.org/drawingml/2006/main" xmlns:r="http://schemas.openxmlformats.org/officeDocument/2006/relationships" xmlns:mc="http://schemas.openxmlformats.org/markup-compatibility/2006" xmlns:mv="urn:schemas-microsoft-com:mac:vml" xmlns:p="http://schemas.openxmlformats.org/presentationml/2006/main" xmlns:c="http://schemas.openxmlformats.org/drawingml/2006/chart" xmlns:dgm="http://schemas.openxmlformats.org/drawingml/2006/diagram" xmlns:o="urn:schemas-microsoft-com:office:office" xmlns:v="urn:schemas-microsoft-com:vml" xmlns:pvml="urn:schemas-microsoft-com:office:powerpoint" xmlns:com="http://schemas.openxmlformats.org/drawingml/2006/compatibility" xmlns:p14="http://schemas.microsoft.com/office/powerpoint/2010/main" xmlns:p15="http://schemas.microsoft.com/office/powerpoint/2012/main">
+  <p:cSld>
+    <p:bg>
+      <p:bgPr>
+        <a:blipFill>
+          <a:blip r:embed="rId3">
+            <a:alphaModFix/>
+          </a:blip>
+          <a:stretch>
+            <a:fillRect/>
+          </a:stretch>
+        </a:blipFill>
+      </p:bgPr>
+    </p:bg>
+    <p:spTree>
+      <p:nvGrpSpPr>
+        <p:cNvPr id="193" name="Shape 193"/>
+        <p:cNvGrpSpPr/>
+        <p:nvPr/>
+      </p:nvGrpSpPr>
+      <p:grpSpPr>
+        <a:xfrm>
+          <a:off x="0" y="0"/>
+          <a:ext cx="0" cy="0"/>
+          <a:chOff x="0" y="0"/>
+          <a:chExt cx="0" cy="0"/>
+        </a:xfrm>
+      </p:grpSpPr>
+      <p:sp>
+        <p:nvSpPr>
+          <p:cNvPr id="194" name="Google Shape;194;p23"/>
+          <p:cNvSpPr txBox="1"/>
+          <p:nvPr>
+            <p:ph type="title"/>
+          </p:nvPr>
+        </p:nvSpPr>
+        <p:spPr>
+          <a:xfrm>
+            <a:off x="1297500" y="393750"/>
+            <a:ext cx="7038900" cy="914100"/>
+          </a:xfrm>
+          <a:prstGeom prst="rect">
+            <a:avLst/>
+          </a:prstGeom>
+        </p:spPr>
+        <p:txBody>
+          <a:bodyPr anchorCtr="0" anchor="t" bIns="91425" lIns="91425" spcFirstLastPara="1" rIns="91425" wrap="square" tIns="91425">
+            <a:noAutofit/>
+          </a:bodyPr>
+          <a:lstStyle/>
+          <a:p>
+            <a:pPr indent="0" lvl="0" marL="0" rtl="0" algn="l">
+              <a:spcBef>
+                <a:spcPts val="0"/>
+              </a:spcBef>
+              <a:spcAft>
+                <a:spcPts val="0"/>
+              </a:spcAft>
+              <a:buNone/>
+            </a:pPr>
+            <a:r>
+              <a:rPr b="1" lang="en-GB">
+                <a:solidFill>
+                  <a:srgbClr val="FFFF00"/>
+                </a:solidFill>
+              </a:rPr>
+              <a:t>End Of Slide.</a:t>
+            </a:r>
+            <a:endParaRPr b="1">
+              <a:solidFill>
+                <a:srgbClr val="FFFF00"/>
+              </a:solidFill>
+            </a:endParaRPr>
+          </a:p>
+          <a:p>
+            <a:pPr indent="0" lvl="0" marL="0" rtl="0" algn="l">
+              <a:spcBef>
+                <a:spcPts val="0"/>
+              </a:spcBef>
+              <a:spcAft>
+                <a:spcPts val="0"/>
+              </a:spcAft>
+              <a:buClr>
+                <a:srgbClr val="000000"/>
+              </a:buClr>
+              <a:buSzPts val="1100"/>
+              <a:buFont typeface="Arial"/>
+              <a:buNone/>
+            </a:pPr>
+            <a:r>
+              <a:t/>
+            </a:r>
+            <a:endParaRPr b="1">
+              <a:solidFill>
+                <a:srgbClr val="FFFF00"/>
+              </a:solidFill>
+            </a:endParaRPr>
+          </a:p>
+        </p:txBody>
+      </p:sp>
+      <p:sp>
+        <p:nvSpPr>
+          <p:cNvPr id="195" name="Google Shape;195;p23"/>
+          <p:cNvSpPr txBox="1"/>
+          <p:nvPr>
+            <p:ph idx="1" type="body"/>
+          </p:nvPr>
+        </p:nvSpPr>
+        <p:spPr>
+          <a:xfrm>
+            <a:off x="1297500" y="1567550"/>
+            <a:ext cx="7038900" cy="2911200"/>
+          </a:xfrm>
+          <a:prstGeom prst="rect">
+            <a:avLst/>
+          </a:prstGeom>
+        </p:spPr>
+        <p:txBody>
+          <a:bodyPr anchorCtr="0" anchor="t" bIns="91425" lIns="91425" spcFirstLastPara="1" rIns="91425" wrap="square" tIns="91425">
+            <a:noAutofit/>
+          </a:bodyPr>
+          <a:lstStyle/>
+          <a:p>
+            <a:pPr indent="0" lvl="0" marL="0" rtl="0" algn="l">
+              <a:lnSpc>
+                <a:spcPct val="100000"/>
+              </a:lnSpc>
+              <a:spcBef>
+                <a:spcPts val="0"/>
+              </a:spcBef>
+              <a:spcAft>
+                <a:spcPts val="0"/>
+              </a:spcAft>
+              <a:buNone/>
+            </a:pPr>
+            <a:r>
+              <a:rPr b="1" lang="en-GB" sz="2400">
+                <a:solidFill>
+                  <a:srgbClr val="FFFF00"/>
+                </a:solidFill>
+                <a:latin typeface="Montserrat"/>
+                <a:ea typeface="Montserrat"/>
+                <a:cs typeface="Montserrat"/>
+                <a:sym typeface="Montserrat"/>
+              </a:rPr>
+              <a:t>Members Of Gridlock:</a:t>
+            </a:r>
+            <a:endParaRPr b="1" sz="2400">
+              <a:solidFill>
+                <a:srgbClr val="FFFF00"/>
+              </a:solidFill>
+              <a:latin typeface="Montserrat"/>
+              <a:ea typeface="Montserrat"/>
+              <a:cs typeface="Montserrat"/>
+              <a:sym typeface="Montserrat"/>
+            </a:endParaRPr>
+          </a:p>
+          <a:p>
+            <a:pPr indent="0" lvl="0" marL="0" rtl="0" algn="l">
+              <a:lnSpc>
+                <a:spcPct val="100000"/>
+              </a:lnSpc>
+              <a:spcBef>
+                <a:spcPts val="0"/>
+              </a:spcBef>
+              <a:spcAft>
+                <a:spcPts val="0"/>
+              </a:spcAft>
+              <a:buNone/>
+            </a:pPr>
+            <a:r>
+              <a:t/>
+            </a:r>
+            <a:endParaRPr b="1" sz="2400">
+              <a:solidFill>
+                <a:srgbClr val="FFF2CC"/>
+              </a:solidFill>
+              <a:latin typeface="Montserrat"/>
+              <a:ea typeface="Montserrat"/>
+              <a:cs typeface="Montserrat"/>
+              <a:sym typeface="Montserrat"/>
+            </a:endParaRPr>
+          </a:p>
+          <a:p>
+            <a:pPr indent="-381000" lvl="0" marL="457200" rtl="0" algn="l">
+              <a:lnSpc>
+                <a:spcPct val="100000"/>
+              </a:lnSpc>
+              <a:spcBef>
+                <a:spcPts val="0"/>
+              </a:spcBef>
+              <a:spcAft>
+                <a:spcPts val="0"/>
+              </a:spcAft>
+              <a:buClr>
+                <a:srgbClr val="FFF2CC"/>
+              </a:buClr>
+              <a:buSzPts val="2400"/>
+              <a:buFont typeface="Montserrat"/>
+              <a:buAutoNum type="arabicPeriod"/>
+            </a:pPr>
+            <a:r>
+              <a:rPr b="1" lang="en-GB" sz="2400">
+                <a:solidFill>
+                  <a:srgbClr val="FFF2CC"/>
+                </a:solidFill>
+                <a:latin typeface="Montserrat"/>
+                <a:ea typeface="Montserrat"/>
+                <a:cs typeface="Montserrat"/>
+                <a:sym typeface="Montserrat"/>
+              </a:rPr>
+              <a:t>Devesh Shrivastava.</a:t>
+            </a:r>
+            <a:endParaRPr b="1" sz="2400">
+              <a:solidFill>
+                <a:srgbClr val="FFF2CC"/>
+              </a:solidFill>
+              <a:latin typeface="Montserrat"/>
+              <a:ea typeface="Montserrat"/>
+              <a:cs typeface="Montserrat"/>
+              <a:sym typeface="Montserrat"/>
+            </a:endParaRPr>
+          </a:p>
+          <a:p>
+            <a:pPr indent="-381000" lvl="0" marL="457200" rtl="0" algn="l">
+              <a:lnSpc>
+                <a:spcPct val="100000"/>
+              </a:lnSpc>
+              <a:spcBef>
+                <a:spcPts val="0"/>
+              </a:spcBef>
+              <a:spcAft>
+                <a:spcPts val="0"/>
+              </a:spcAft>
+              <a:buClr>
+                <a:srgbClr val="FFF2CC"/>
+              </a:buClr>
+              <a:buSzPts val="2400"/>
+              <a:buFont typeface="Montserrat"/>
+              <a:buAutoNum type="arabicPeriod"/>
+            </a:pPr>
+            <a:r>
+              <a:rPr b="1" lang="en-GB" sz="2400">
+                <a:solidFill>
+                  <a:srgbClr val="FFF2CC"/>
+                </a:solidFill>
+                <a:latin typeface="Montserrat"/>
+                <a:ea typeface="Montserrat"/>
+                <a:cs typeface="Montserrat"/>
+                <a:sym typeface="Montserrat"/>
+              </a:rPr>
+              <a:t>Rohan Mehta.</a:t>
+            </a:r>
+            <a:endParaRPr b="1" sz="2400">
+              <a:solidFill>
+                <a:srgbClr val="FFF2CC"/>
+              </a:solidFill>
+              <a:latin typeface="Montserrat"/>
+              <a:ea typeface="Montserrat"/>
+              <a:cs typeface="Montserrat"/>
+              <a:sym typeface="Montserrat"/>
+            </a:endParaRPr>
+          </a:p>
+          <a:p>
+            <a:pPr indent="-381000" lvl="0" marL="457200" rtl="0" algn="l">
+              <a:lnSpc>
+                <a:spcPct val="100000"/>
+              </a:lnSpc>
+              <a:spcBef>
+                <a:spcPts val="0"/>
+              </a:spcBef>
+              <a:spcAft>
+                <a:spcPts val="0"/>
+              </a:spcAft>
+              <a:buClr>
+                <a:srgbClr val="FFF2CC"/>
+              </a:buClr>
+              <a:buSzPts val="2400"/>
+              <a:buFont typeface="Montserrat"/>
+              <a:buAutoNum type="arabicPeriod"/>
+            </a:pPr>
+            <a:r>
+              <a:rPr b="1" lang="en-GB" sz="2400">
+                <a:solidFill>
+                  <a:srgbClr val="FFF2CC"/>
+                </a:solidFill>
+                <a:latin typeface="Montserrat"/>
+                <a:ea typeface="Montserrat"/>
+                <a:cs typeface="Montserrat"/>
+                <a:sym typeface="Montserrat"/>
+              </a:rPr>
+              <a:t>Anshul Gupta.</a:t>
+            </a:r>
+            <a:endParaRPr b="1" sz="2400">
+              <a:solidFill>
+                <a:srgbClr val="FFF2CC"/>
+              </a:solidFill>
+              <a:latin typeface="Montserrat"/>
+              <a:ea typeface="Montserrat"/>
+              <a:cs typeface="Montserrat"/>
+              <a:sym typeface="Montserrat"/>
+            </a:endParaRPr>
+          </a:p>
+          <a:p>
+            <a:pPr indent="-381000" lvl="0" marL="457200" rtl="0" algn="l">
+              <a:lnSpc>
+                <a:spcPct val="100000"/>
+              </a:lnSpc>
+              <a:spcBef>
+                <a:spcPts val="0"/>
+              </a:spcBef>
+              <a:spcAft>
+                <a:spcPts val="0"/>
+              </a:spcAft>
+              <a:buClr>
+                <a:srgbClr val="FFF2CC"/>
+              </a:buClr>
+              <a:buSzPts val="2400"/>
+              <a:buFont typeface="Montserrat"/>
+              <a:buAutoNum type="arabicPeriod"/>
+            </a:pPr>
+            <a:r>
+              <a:rPr b="1" lang="en-GB" sz="2400">
+                <a:solidFill>
+                  <a:srgbClr val="FFF2CC"/>
+                </a:solidFill>
+                <a:latin typeface="Montserrat"/>
+                <a:ea typeface="Montserrat"/>
+                <a:cs typeface="Montserrat"/>
+                <a:sym typeface="Montserrat"/>
+              </a:rPr>
+              <a:t>Arnav Saha.</a:t>
+            </a:r>
+            <a:endParaRPr b="1" sz="2400">
+              <a:solidFill>
+                <a:srgbClr val="FFF2CC"/>
+              </a:solidFill>
+              <a:latin typeface="Montserrat"/>
+              <a:ea typeface="Montserrat"/>
+              <a:cs typeface="Montserrat"/>
+              <a:sym typeface="Montserrat"/>
+            </a:endParaRPr>
+          </a:p>
+          <a:p>
+            <a:pPr indent="0" lvl="0" marL="457200" rtl="0" algn="ctr">
+              <a:lnSpc>
+                <a:spcPct val="100000"/>
+              </a:lnSpc>
+              <a:spcBef>
+                <a:spcPts val="0"/>
+              </a:spcBef>
+              <a:spcAft>
+                <a:spcPts val="0"/>
+              </a:spcAft>
+              <a:buNone/>
+            </a:pPr>
+            <a:r>
+              <a:t/>
+            </a:r>
+            <a:endParaRPr b="1" sz="2400">
+              <a:solidFill>
+                <a:srgbClr val="FFF2CC"/>
+              </a:solidFill>
+              <a:latin typeface="Montserrat"/>
+              <a:ea typeface="Montserrat"/>
+              <a:cs typeface="Montserrat"/>
+              <a:sym typeface="Montserrat"/>
+            </a:endParaRPr>
+          </a:p>
+          <a:p>
+            <a:pPr indent="0" lvl="0" marL="0" rtl="0" algn="ctr">
+              <a:lnSpc>
+                <a:spcPct val="100000"/>
+              </a:lnSpc>
+              <a:spcBef>
+                <a:spcPts val="0"/>
+              </a:spcBef>
+              <a:spcAft>
+                <a:spcPts val="0"/>
+              </a:spcAft>
+              <a:buClr>
+                <a:srgbClr val="000000"/>
+              </a:buClr>
+              <a:buSzPts val="1100"/>
+              <a:buFont typeface="Arial"/>
+              <a:buNone/>
+            </a:pPr>
+            <a:r>
+              <a:rPr b="1" lang="en-GB" sz="2400">
+                <a:solidFill>
+                  <a:srgbClr val="FFFF00"/>
+                </a:solidFill>
+                <a:latin typeface="Montserrat"/>
+                <a:ea typeface="Montserrat"/>
+                <a:cs typeface="Montserrat"/>
+                <a:sym typeface="Montserrat"/>
+              </a:rPr>
+              <a:t>THANK YOU All..</a:t>
+            </a:r>
+            <a:endParaRPr b="1" sz="2400">
+              <a:solidFill>
+                <a:srgbClr val="FFF2CC"/>
+              </a:solidFill>
+              <a:latin typeface="Montserrat"/>
+              <a:ea typeface="Montserrat"/>
+              <a:cs typeface="Montserrat"/>
+              <a:sym typeface="Montserrat"/>
+            </a:endParaRPr>
+          </a:p>
+        </p:txBody>
+      </p:sp>
+    </p:spTree>
+  </p:cSld>
+  <p:clrMapOvr>
+    <a:masterClrMapping/>
+  </p:clrMapOvr>
 </p:sld>
 </file>
 
@@ -9898,14 +10795,14 @@
               <a:buNone/>
             </a:pPr>
             <a:r>
-              <a:rPr lang="en-GB">
+              <a:rPr b="1" lang="en-GB">
                 <a:solidFill>
                   <a:srgbClr val="FFFF00"/>
                 </a:solidFill>
               </a:rPr>
               <a:t>Aim </a:t>
             </a:r>
-            <a:endParaRPr sz="2400">
+            <a:endParaRPr b="1" sz="2400">
               <a:solidFill>
                 <a:srgbClr val="FFFF00"/>
               </a:solidFill>
@@ -9947,7 +10844,7 @@
             </a:pPr>
             <a:r>
               <a:rPr lang="en-GB" sz="1800"/>
-              <a:t>We made an application for smart traffic management. We chose this domain, as this is quite a wide spread problem and people everywhere is facing it everytime they are on the roads. So we tried to come up with a solution in a much more practical and interactive  way to help with this problem. Our database uses real time data sent by the users to monitor traffic for a particular area and also to give the stats about the roads, if they are okay to be travelled with.</a:t>
+              <a:t>We made an application for smart traffic management. We chose this domain, as this is quite a wide spread problem and people everywhere is facing it everytime they are on the roads. So we tried to come up with a solution in a much more practical and interactive  way to help with this problem.The idea we are using for now is car pooling. Our database uses real time data sent by the users to monitor traffic for a particular area and also to give the stats about the roads, if they are okay to be travelled with.</a:t>
             </a:r>
             <a:endParaRPr sz="1800"/>
           </a:p>
@@ -9964,6 +10861,18 @@
 <file path=ppt/slides/slide3.xml><?xml version="1.0" encoding="utf-8"?>
 <p:sld xmlns:a="http://schemas.openxmlformats.org/drawingml/2006/main" xmlns:r="http://schemas.openxmlformats.org/officeDocument/2006/relationships" xmlns:mc="http://schemas.openxmlformats.org/markup-compatibility/2006" xmlns:mv="urn:schemas-microsoft-com:mac:vml" xmlns:p="http://schemas.openxmlformats.org/presentationml/2006/main" xmlns:c="http://schemas.openxmlformats.org/drawingml/2006/chart" xmlns:dgm="http://schemas.openxmlformats.org/drawingml/2006/diagram" xmlns:o="urn:schemas-microsoft-com:office:office" xmlns:v="urn:schemas-microsoft-com:vml" xmlns:pvml="urn:schemas-microsoft-com:office:powerpoint" xmlns:com="http://schemas.openxmlformats.org/drawingml/2006/compatibility" xmlns:p14="http://schemas.microsoft.com/office/powerpoint/2010/main" xmlns:p15="http://schemas.microsoft.com/office/powerpoint/2012/main">
   <p:cSld>
+    <p:bg>
+      <p:bgPr>
+        <a:blipFill>
+          <a:blip r:embed="rId3">
+            <a:alphaModFix/>
+          </a:blip>
+          <a:stretch>
+            <a:fillRect/>
+          </a:stretch>
+        </a:blipFill>
+      </p:bgPr>
+    </p:bg>
     <p:spTree>
       <p:nvGrpSpPr>
         <p:cNvPr id="145" name="Shape 145"/>
@@ -10045,7 +10954,7 @@
         <p:spPr>
           <a:xfrm>
             <a:off x="1297500" y="1031850"/>
-            <a:ext cx="7038900" cy="3447000"/>
+            <a:ext cx="7606200" cy="3870000"/>
           </a:xfrm>
           <a:prstGeom prst="rect">
             <a:avLst/>
@@ -10252,6 +11161,45 @@
             </a:endParaRPr>
           </a:p>
           <a:p>
+            <a:pPr indent="-342900" lvl="0" marL="457200" rtl="0" algn="l">
+              <a:lnSpc>
+                <a:spcPct val="110000"/>
+              </a:lnSpc>
+              <a:spcBef>
+                <a:spcPts val="0"/>
+              </a:spcBef>
+              <a:spcAft>
+                <a:spcPts val="0"/>
+              </a:spcAft>
+              <a:buClr>
+                <a:srgbClr val="FFFFFF"/>
+              </a:buClr>
+              <a:buSzPts val="1800"/>
+              <a:buChar char="●"/>
+            </a:pPr>
+            <a:r>
+              <a:rPr b="1" lang="en-GB" sz="1800">
+                <a:solidFill>
+                  <a:srgbClr val="FFFFFF"/>
+                </a:solidFill>
+              </a:rPr>
+              <a:t>Car Pooling System: </a:t>
+            </a:r>
+            <a:r>
+              <a:rPr lang="en-GB" sz="1800">
+                <a:solidFill>
+                  <a:srgbClr val="FFFFFF"/>
+                </a:solidFill>
+              </a:rPr>
+              <a:t>helps to reduce the number of cars on roads, by making an individual share his car.</a:t>
+            </a:r>
+            <a:endParaRPr sz="1800">
+              <a:solidFill>
+                <a:srgbClr val="FFFFFF"/>
+              </a:solidFill>
+            </a:endParaRPr>
+          </a:p>
+          <a:p>
             <a:pPr indent="0" lvl="0" marL="457200" rtl="0" algn="l">
               <a:spcBef>
                 <a:spcPts val="300"/>
@@ -10283,6 +11231,18 @@
 <file path=ppt/slides/slide4.xml><?xml version="1.0" encoding="utf-8"?>
 <p:sld xmlns:a="http://schemas.openxmlformats.org/drawingml/2006/main" xmlns:r="http://schemas.openxmlformats.org/officeDocument/2006/relationships" xmlns:mc="http://schemas.openxmlformats.org/markup-compatibility/2006" xmlns:mv="urn:schemas-microsoft-com:mac:vml" xmlns:p="http://schemas.openxmlformats.org/presentationml/2006/main" xmlns:c="http://schemas.openxmlformats.org/drawingml/2006/chart" xmlns:dgm="http://schemas.openxmlformats.org/drawingml/2006/diagram" xmlns:o="urn:schemas-microsoft-com:office:office" xmlns:v="urn:schemas-microsoft-com:vml" xmlns:pvml="urn:schemas-microsoft-com:office:powerpoint" xmlns:com="http://schemas.openxmlformats.org/drawingml/2006/compatibility" xmlns:p14="http://schemas.microsoft.com/office/powerpoint/2010/main" xmlns:p15="http://schemas.microsoft.com/office/powerpoint/2012/main">
   <p:cSld>
+    <p:bg>
+      <p:bgPr>
+        <a:blipFill>
+          <a:blip r:embed="rId3">
+            <a:alphaModFix/>
+          </a:blip>
+          <a:stretch>
+            <a:fillRect/>
+          </a:stretch>
+        </a:blipFill>
+      </p:bgPr>
+    </p:bg>
     <p:spTree>
       <p:nvGrpSpPr>
         <p:cNvPr id="151" name="Shape 151"/>
@@ -10391,7 +11351,7 @@
           <p:nvPr/>
         </p:nvPicPr>
         <p:blipFill>
-          <a:blip r:embed="rId3">
+          <a:blip r:embed="rId4">
             <a:alphaModFix/>
           </a:blip>
           <a:stretch>
@@ -10423,6 +11383,18 @@
 <file path=ppt/slides/slide5.xml><?xml version="1.0" encoding="utf-8"?>
 <p:sld xmlns:a="http://schemas.openxmlformats.org/drawingml/2006/main" xmlns:r="http://schemas.openxmlformats.org/officeDocument/2006/relationships" xmlns:mc="http://schemas.openxmlformats.org/markup-compatibility/2006" xmlns:mv="urn:schemas-microsoft-com:mac:vml" xmlns:p="http://schemas.openxmlformats.org/presentationml/2006/main" xmlns:c="http://schemas.openxmlformats.org/drawingml/2006/chart" xmlns:dgm="http://schemas.openxmlformats.org/drawingml/2006/diagram" xmlns:o="urn:schemas-microsoft-com:office:office" xmlns:v="urn:schemas-microsoft-com:vml" xmlns:pvml="urn:schemas-microsoft-com:office:powerpoint" xmlns:com="http://schemas.openxmlformats.org/drawingml/2006/compatibility" xmlns:p14="http://schemas.microsoft.com/office/powerpoint/2010/main" xmlns:p15="http://schemas.microsoft.com/office/powerpoint/2012/main">
   <p:cSld>
+    <p:bg>
+      <p:bgPr>
+        <a:blipFill>
+          <a:blip r:embed="rId3">
+            <a:alphaModFix/>
+          </a:blip>
+          <a:stretch>
+            <a:fillRect/>
+          </a:stretch>
+        </a:blipFill>
+      </p:bgPr>
+    </p:bg>
     <p:spTree>
       <p:nvGrpSpPr>
         <p:cNvPr id="158" name="Shape 158"/>
@@ -10522,7 +11494,7 @@
           <p:nvPr/>
         </p:nvPicPr>
         <p:blipFill>
-          <a:blip r:embed="rId3">
+          <a:blip r:embed="rId4">
             <a:alphaModFix/>
           </a:blip>
           <a:stretch>
@@ -10554,6 +11526,18 @@
 <file path=ppt/slides/slide6.xml><?xml version="1.0" encoding="utf-8"?>
 <p:sld xmlns:a="http://schemas.openxmlformats.org/drawingml/2006/main" xmlns:r="http://schemas.openxmlformats.org/officeDocument/2006/relationships" xmlns:mc="http://schemas.openxmlformats.org/markup-compatibility/2006" xmlns:mv="urn:schemas-microsoft-com:mac:vml" xmlns:p="http://schemas.openxmlformats.org/presentationml/2006/main" xmlns:c="http://schemas.openxmlformats.org/drawingml/2006/chart" xmlns:dgm="http://schemas.openxmlformats.org/drawingml/2006/diagram" xmlns:o="urn:schemas-microsoft-com:office:office" xmlns:v="urn:schemas-microsoft-com:vml" xmlns:pvml="urn:schemas-microsoft-com:office:powerpoint" xmlns:com="http://schemas.openxmlformats.org/drawingml/2006/compatibility" xmlns:p14="http://schemas.microsoft.com/office/powerpoint/2010/main" xmlns:p15="http://schemas.microsoft.com/office/powerpoint/2012/main">
   <p:cSld>
+    <p:bg>
+      <p:bgPr>
+        <a:blipFill>
+          <a:blip r:embed="rId3">
+            <a:alphaModFix/>
+          </a:blip>
+          <a:stretch>
+            <a:fillRect/>
+          </a:stretch>
+        </a:blipFill>
+      </p:bgPr>
+    </p:bg>
     <p:spTree>
       <p:nvGrpSpPr>
         <p:cNvPr id="165" name="Shape 165"/>
@@ -10601,14 +11585,14 @@
               <a:buNone/>
             </a:pPr>
             <a:r>
-              <a:rPr lang="en-GB">
+              <a:rPr b="1" lang="en-GB">
                 <a:solidFill>
                   <a:srgbClr val="FFFF00"/>
                 </a:solidFill>
               </a:rPr>
               <a:t>Overall Description And Working.</a:t>
             </a:r>
-            <a:endParaRPr>
+            <a:endParaRPr b="1">
               <a:solidFill>
                 <a:srgbClr val="FFFF00"/>
               </a:solidFill>
@@ -10664,7 +11648,7 @@
           <p:nvPr/>
         </p:nvPicPr>
         <p:blipFill>
-          <a:blip r:embed="rId3">
+          <a:blip r:embed="rId4">
             <a:alphaModFix/>
           </a:blip>
           <a:stretch>
@@ -11025,6 +12009,18 @@
 <file path=ppt/slides/slide8.xml><?xml version="1.0" encoding="utf-8"?>
 <p:sld xmlns:a="http://schemas.openxmlformats.org/drawingml/2006/main" xmlns:r="http://schemas.openxmlformats.org/officeDocument/2006/relationships" xmlns:mc="http://schemas.openxmlformats.org/markup-compatibility/2006" xmlns:mv="urn:schemas-microsoft-com:mac:vml" xmlns:p="http://schemas.openxmlformats.org/presentationml/2006/main" xmlns:c="http://schemas.openxmlformats.org/drawingml/2006/chart" xmlns:dgm="http://schemas.openxmlformats.org/drawingml/2006/diagram" xmlns:o="urn:schemas-microsoft-com:office:office" xmlns:v="urn:schemas-microsoft-com:vml" xmlns:pvml="urn:schemas-microsoft-com:office:powerpoint" xmlns:com="http://schemas.openxmlformats.org/drawingml/2006/compatibility" xmlns:p14="http://schemas.microsoft.com/office/powerpoint/2010/main" xmlns:p15="http://schemas.microsoft.com/office/powerpoint/2012/main">
   <p:cSld>
+    <p:bg>
+      <p:bgPr>
+        <a:blipFill>
+          <a:blip r:embed="rId3">
+            <a:alphaModFix/>
+          </a:blip>
+          <a:stretch>
+            <a:fillRect/>
+          </a:stretch>
+        </a:blipFill>
+      </p:bgPr>
+    </p:bg>
     <p:spTree>
       <p:nvGrpSpPr>
         <p:cNvPr id="177" name="Shape 177"/>
@@ -11050,7 +12046,7 @@
         <p:spPr>
           <a:xfrm>
             <a:off x="1128075" y="343500"/>
-            <a:ext cx="7628100" cy="4135200"/>
+            <a:ext cx="7628100" cy="4464300"/>
           </a:xfrm>
           <a:prstGeom prst="rect">
             <a:avLst/>
@@ -11235,7 +12231,7 @@
             </a:pPr>
             <a:r>
               <a:rPr lang="en-GB" sz="1400"/>
-              <a:t>Every user should have a unique user id and password. </a:t>
+              <a:t>Every user should have a unique user id and password.  </a:t>
             </a:r>
             <a:endParaRPr sz="1400"/>
           </a:p>
@@ -11250,7 +12246,250 @@
               <a:buNone/>
             </a:pPr>
             <a:r>
-              <a:t/>
+              <a:rPr lang="en-GB" sz="1800"/>
+              <a:t>Steps Involved :</a:t>
+            </a:r>
+            <a:endParaRPr sz="1400"/>
+          </a:p>
+          <a:p>
+            <a:pPr indent="-317500" lvl="0" marL="457200" rtl="0" algn="l">
+              <a:spcBef>
+                <a:spcPts val="1600"/>
+              </a:spcBef>
+              <a:spcAft>
+                <a:spcPts val="0"/>
+              </a:spcAft>
+              <a:buSzPts val="1400"/>
+              <a:buAutoNum type="arabicPeriod"/>
+            </a:pPr>
+            <a:r>
+              <a:rPr lang="en-GB" sz="1400"/>
+              <a:t>Firstly we’ll get the users registered in our database for systematic interaction.</a:t>
+            </a:r>
+            <a:endParaRPr sz="1400"/>
+          </a:p>
+          <a:p>
+            <a:pPr indent="-317500" lvl="0" marL="457200" rtl="0" algn="l">
+              <a:spcBef>
+                <a:spcPts val="0"/>
+              </a:spcBef>
+              <a:spcAft>
+                <a:spcPts val="0"/>
+              </a:spcAft>
+              <a:buSzPts val="1400"/>
+              <a:buAutoNum type="arabicPeriod"/>
+            </a:pPr>
+            <a:r>
+              <a:rPr lang="en-GB" sz="1400"/>
+              <a:t>Now there are two ways in which user can use our system, either our website or our android application.</a:t>
+            </a:r>
+            <a:endParaRPr sz="1400"/>
+          </a:p>
+          <a:p>
+            <a:pPr indent="-317500" lvl="0" marL="457200" rtl="0" algn="l">
+              <a:spcBef>
+                <a:spcPts val="0"/>
+              </a:spcBef>
+              <a:spcAft>
+                <a:spcPts val="0"/>
+              </a:spcAft>
+              <a:buSzPts val="1400"/>
+              <a:buAutoNum type="arabicPeriod"/>
+            </a:pPr>
+            <a:r>
+              <a:rPr lang="en-GB" sz="1400"/>
+              <a:t>The user can use our app in many ways, if he wants to know the road status about the recent events that have happened on it e.g.</a:t>
+            </a:r>
+            <a:endParaRPr sz="1800"/>
+          </a:p>
+        </p:txBody>
+      </p:sp>
+    </p:spTree>
+  </p:cSld>
+  <p:clrMapOvr>
+    <a:masterClrMapping/>
+  </p:clrMapOvr>
+  <p:timing>
+    <p:tnLst>
+      <p:par>
+        <p:cTn dur="indefinite" nodeType="tmRoot" restart="never">
+          <p:childTnLst>
+            <p:seq concurrent="1" nextAc="seek">
+              <p:cTn dur="indefinite" id="2" nodeType="mainSeq">
+                <p:childTnLst>
+                  <p:par>
+                    <p:cTn fill="hold">
+                      <p:stCondLst>
+                        <p:cond delay="indefinite"/>
+                      </p:stCondLst>
+                      <p:childTnLst>
+                        <p:par>
+                          <p:cTn fill="hold">
+                            <p:stCondLst>
+                              <p:cond delay="0"/>
+                            </p:stCondLst>
+                            <p:childTnLst>
+                              <p:par>
+                                <p:cTn fill="hold" nodeType="clickEffect" presetClass="entr" presetID="1" presetSubtype="0">
+                                  <p:stCondLst>
+                                    <p:cond delay="0"/>
+                                  </p:stCondLst>
+                                  <p:childTnLst>
+                                    <p:set>
+                                      <p:cBhvr>
+                                        <p:cTn dur="1" fill="hold">
+                                          <p:stCondLst>
+                                            <p:cond delay="0"/>
+                                          </p:stCondLst>
+                                        </p:cTn>
+                                        <p:tgtEl>
+                                          <p:spTgt spid="178"/>
+                                        </p:tgtEl>
+                                        <p:attrNameLst>
+                                          <p:attrName>style.visibility</p:attrName>
+                                        </p:attrNameLst>
+                                      </p:cBhvr>
+                                      <p:to>
+                                        <p:strVal val="visible"/>
+                                      </p:to>
+                                    </p:set>
+                                  </p:childTnLst>
+                                </p:cTn>
+                              </p:par>
+                            </p:childTnLst>
+                          </p:cTn>
+                        </p:par>
+                      </p:childTnLst>
+                    </p:cTn>
+                  </p:par>
+                </p:childTnLst>
+              </p:cTn>
+              <p:prevCondLst>
+                <p:cond evt="onPrev">
+                  <p:tgtEl>
+                    <p:sldTgt/>
+                  </p:tgtEl>
+                </p:cond>
+              </p:prevCondLst>
+              <p:nextCondLst>
+                <p:cond evt="onNext">
+                  <p:tgtEl>
+                    <p:sldTgt/>
+                  </p:tgtEl>
+                </p:cond>
+              </p:nextCondLst>
+            </p:seq>
+          </p:childTnLst>
+        </p:cTn>
+      </p:par>
+    </p:tnLst>
+  </p:timing>
+</p:sld>
+</file>
+
+<file path=ppt/slides/slide9.xml><?xml version="1.0" encoding="utf-8"?>
+<p:sld xmlns:a="http://schemas.openxmlformats.org/drawingml/2006/main" xmlns:r="http://schemas.openxmlformats.org/officeDocument/2006/relationships" xmlns:mc="http://schemas.openxmlformats.org/markup-compatibility/2006" xmlns:mv="urn:schemas-microsoft-com:mac:vml" xmlns:p="http://schemas.openxmlformats.org/presentationml/2006/main" xmlns:c="http://schemas.openxmlformats.org/drawingml/2006/chart" xmlns:dgm="http://schemas.openxmlformats.org/drawingml/2006/diagram" xmlns:o="urn:schemas-microsoft-com:office:office" xmlns:v="urn:schemas-microsoft-com:vml" xmlns:pvml="urn:schemas-microsoft-com:office:powerpoint" xmlns:com="http://schemas.openxmlformats.org/drawingml/2006/compatibility" xmlns:p14="http://schemas.microsoft.com/office/powerpoint/2010/main" xmlns:p15="http://schemas.microsoft.com/office/powerpoint/2012/main">
+  <p:cSld>
+    <p:bg>
+      <p:bgPr>
+        <a:blipFill>
+          <a:blip r:embed="rId3">
+            <a:alphaModFix/>
+          </a:blip>
+          <a:stretch>
+            <a:fillRect/>
+          </a:stretch>
+        </a:blipFill>
+      </p:bgPr>
+    </p:bg>
+    <p:spTree>
+      <p:nvGrpSpPr>
+        <p:cNvPr id="182" name="Shape 182"/>
+        <p:cNvGrpSpPr/>
+        <p:nvPr/>
+      </p:nvGrpSpPr>
+      <p:grpSpPr>
+        <a:xfrm>
+          <a:off x="0" y="0"/>
+          <a:ext cx="0" cy="0"/>
+          <a:chOff x="0" y="0"/>
+          <a:chExt cx="0" cy="0"/>
+        </a:xfrm>
+      </p:grpSpPr>
+      <p:sp>
+        <p:nvSpPr>
+          <p:cNvPr id="183" name="Google Shape;183;p21"/>
+          <p:cNvSpPr txBox="1"/>
+          <p:nvPr>
+            <p:ph idx="1" type="body"/>
+          </p:nvPr>
+        </p:nvSpPr>
+        <p:spPr>
+          <a:xfrm>
+            <a:off x="1087800" y="303225"/>
+            <a:ext cx="7614600" cy="4552500"/>
+          </a:xfrm>
+          <a:prstGeom prst="rect">
+            <a:avLst/>
+          </a:prstGeom>
+        </p:spPr>
+        <p:txBody>
+          <a:bodyPr anchorCtr="0" anchor="t" bIns="91425" lIns="91425" spcFirstLastPara="1" rIns="91425" wrap="square" tIns="91425">
+            <a:noAutofit/>
+          </a:bodyPr>
+          <a:lstStyle/>
+          <a:p>
+            <a:pPr indent="-317500" lvl="0" marL="457200" rtl="0" algn="l">
+              <a:spcBef>
+                <a:spcPts val="0"/>
+              </a:spcBef>
+              <a:spcAft>
+                <a:spcPts val="0"/>
+              </a:spcAft>
+              <a:buSzPts val="1400"/>
+              <a:buChar char="●"/>
+            </a:pPr>
+            <a:r>
+              <a:rPr lang="en-GB" sz="1400"/>
+              <a:t> if he wants to know if the road has some d</a:t>
+            </a:r>
+            <a:r>
+              <a:rPr lang="en-GB" sz="1400"/>
+              <a:t>amage on them or something that makes the    road not really suitable   for use.</a:t>
+            </a:r>
+            <a:endParaRPr sz="1400"/>
+          </a:p>
+          <a:p>
+            <a:pPr indent="-317500" lvl="0" marL="457200" rtl="0" algn="l">
+              <a:spcBef>
+                <a:spcPts val="0"/>
+              </a:spcBef>
+              <a:spcAft>
+                <a:spcPts val="0"/>
+              </a:spcAft>
+              <a:buSzPts val="1400"/>
+              <a:buChar char="●"/>
+            </a:pPr>
+            <a:r>
+              <a:rPr lang="en-GB" sz="1400"/>
+              <a:t>If he wants some means to go from point A to point B (we have taken the range &lt;2 Km for now) from the best possible route , to save himself ample amount of time</a:t>
+            </a:r>
+            <a:endParaRPr sz="1400"/>
+          </a:p>
+          <a:p>
+            <a:pPr indent="-317500" lvl="0" marL="457200" rtl="0" algn="l">
+              <a:spcBef>
+                <a:spcPts val="0"/>
+              </a:spcBef>
+              <a:spcAft>
+                <a:spcPts val="0"/>
+              </a:spcAft>
+              <a:buSzPts val="1400"/>
+              <a:buChar char="●"/>
+            </a:pPr>
+            <a:r>
+              <a:rPr lang="en-GB" sz="1400"/>
+              <a:t>If a user is alone for a particular route he can avail his car for pooling which again is integrated in our application itself.</a:t>
             </a:r>
             <a:endParaRPr sz="1400"/>
           </a:p>
@@ -11260,19 +12499,35 @@
                 <a:spcPts val="1600"/>
               </a:spcBef>
               <a:spcAft>
-                <a:spcPts val="1600"/>
-              </a:spcAft>
-              <a:buClr>
-                <a:srgbClr val="000000"/>
-              </a:buClr>
-              <a:buSzPts val="1100"/>
-              <a:buFont typeface="Arial"/>
+                <a:spcPts val="0"/>
+              </a:spcAft>
               <a:buNone/>
             </a:pPr>
             <a:r>
-              <a:t/>
+              <a:rPr lang="en-GB" sz="1400"/>
+              <a:t>    4.    </a:t>
             </a:r>
-            <a:endParaRPr sz="1800"/>
+            <a:r>
+              <a:rPr lang="en-GB" sz="1400"/>
+              <a:t> What is basically happening is we our taking all the data in real time from various mediums like traffic police, pedestrians, vehicle drivers to simulate the best possible means for our user to go from one point to another either alone or by pooling.</a:t>
+            </a:r>
+            <a:endParaRPr sz="1400"/>
+          </a:p>
+          <a:p>
+            <a:pPr indent="0" lvl="0" marL="0" rtl="0" algn="l">
+              <a:spcBef>
+                <a:spcPts val="1600"/>
+              </a:spcBef>
+              <a:spcAft>
+                <a:spcPts val="1600"/>
+              </a:spcAft>
+              <a:buNone/>
+            </a:pPr>
+            <a:r>
+              <a:rPr lang="en-GB" sz="1400"/>
+              <a:t>  </a:t>
+            </a:r>
+            <a:endParaRPr sz="1400"/>
           </a:p>
         </p:txBody>
       </p:sp>
@@ -11285,6 +12540,285 @@
 </file>
 
 <file path=ppt/theme/theme1.xml><?xml version="1.0" encoding="utf-8"?>
+<a:theme xmlns:a="http://schemas.openxmlformats.org/drawingml/2006/main" xmlns:r="http://schemas.openxmlformats.org/officeDocument/2006/relationships" name="Focus">
+  <a:themeElements>
+    <a:clrScheme name="Focus">
+      <a:dk1>
+        <a:srgbClr val="1B212C"/>
+      </a:dk1>
+      <a:lt1>
+        <a:srgbClr val="FFFFFF"/>
+      </a:lt1>
+      <a:dk2>
+        <a:srgbClr val="D9D9D9"/>
+      </a:dk2>
+      <a:lt2>
+        <a:srgbClr val="82C7A5"/>
+      </a:lt2>
+      <a:accent1>
+        <a:srgbClr val="0145AC"/>
+      </a:accent1>
+      <a:accent2>
+        <a:srgbClr val="EECE1A"/>
+      </a:accent2>
+      <a:accent3>
+        <a:srgbClr val="4E5567"/>
+      </a:accent3>
+      <a:accent4>
+        <a:srgbClr val="F4D6AD"/>
+      </a:accent4>
+      <a:accent5>
+        <a:srgbClr val="7890CD"/>
+      </a:accent5>
+      <a:accent6>
+        <a:srgbClr val="F15E22"/>
+      </a:accent6>
+      <a:hlink>
+        <a:srgbClr val="7890CD"/>
+      </a:hlink>
+      <a:folHlink>
+        <a:srgbClr val="7890CD"/>
+      </a:folHlink>
+    </a:clrScheme>
+    <a:fontScheme name="Office">
+      <a:majorFont>
+        <a:latin typeface="Arial"/>
+        <a:ea typeface=""/>
+        <a:cs typeface=""/>
+        <a:font script="Jpan" typeface="ＭＳ Ｐゴシック"/>
+        <a:font script="Hang" typeface="맑은 고딕"/>
+        <a:font script="Hans" typeface="宋体"/>
+        <a:font script="Hant" typeface="新細明體"/>
+        <a:font script="Arab" typeface="Times New Roman"/>
+        <a:font script="Hebr" typeface="Times New Roman"/>
+        <a:font script="Thai" typeface="Angsana New"/>
+        <a:font script="Ethi" typeface="Nyala"/>
+        <a:font script="Beng" typeface="Vrinda"/>
+        <a:font script="Gujr" typeface="Shruti"/>
+        <a:font script="Khmr" typeface="MoolBoran"/>
+        <a:font script="Knda" typeface="Tunga"/>
+        <a:font script="Guru" typeface="Raavi"/>
+        <a:font script="Cans" typeface="Euphemia"/>
+        <a:font script="Cher" typeface="Plantagenet Cherokee"/>
+        <a:font script="Yiii" typeface="Microsoft Yi Baiti"/>
+        <a:font script="Tibt" typeface="Microsoft Himalaya"/>
+        <a:font script="Thaa" typeface="MV Boli"/>
+        <a:font script="Deva" typeface="Mangal"/>
+        <a:font script="Telu" typeface="Gautami"/>
+        <a:font script="Taml" typeface="Latha"/>
+        <a:font script="Syrc" typeface="Estrangelo Edessa"/>
+        <a:font script="Orya" typeface="Kalinga"/>
+        <a:font script="Mlym" typeface="Kartika"/>
+        <a:font script="Laoo" typeface="DokChampa"/>
+        <a:font script="Sinh" typeface="Iskoola Pota"/>
+        <a:font script="Mong" typeface="Mongolian Baiti"/>
+        <a:font script="Viet" typeface="Times New Roman"/>
+        <a:font script="Uigh" typeface="Microsoft Uighur"/>
+        <a:font script="Geor" typeface="Sylfaen"/>
+      </a:majorFont>
+      <a:minorFont>
+        <a:latin typeface="Arial"/>
+        <a:ea typeface=""/>
+        <a:cs typeface=""/>
+        <a:font script="Jpan" typeface="ＭＳ Ｐゴシック"/>
+        <a:font script="Hang" typeface="맑은 고딕"/>
+        <a:font script="Hans" typeface="宋体"/>
+        <a:font script="Hant" typeface="新細明體"/>
+        <a:font script="Arab" typeface="Arial"/>
+        <a:font script="Hebr" typeface="Arial"/>
+        <a:font script="Thai" typeface="Cordia New"/>
+        <a:font script="Ethi" typeface="Nyala"/>
+        <a:font script="Beng" typeface="Vrinda"/>
+        <a:font script="Gujr" typeface="Shruti"/>
+        <a:font script="Khmr" typeface="DaunPenh"/>
+        <a:font script="Knda" typeface="Tunga"/>
+        <a:font script="Guru" typeface="Raavi"/>
+        <a:font script="Cans" typeface="Euphemia"/>
+        <a:font script="Cher" typeface="Plantagenet Cherokee"/>
+        <a:font script="Yiii" typeface="Microsoft Yi Baiti"/>
+        <a:font script="Tibt" typeface="Microsoft Himalaya"/>
+        <a:font script="Thaa" typeface="MV Boli"/>
+        <a:font script="Deva" typeface="Mangal"/>
+        <a:font script="Telu" typeface="Gautami"/>
+        <a:font script="Taml" typeface="Latha"/>
+        <a:font script="Syrc" typeface="Estrangelo Edessa"/>
+        <a:font script="Orya" typeface="Kalinga"/>
+        <a:font script="Mlym" typeface="Kartika"/>
+        <a:font script="Laoo" typeface="DokChampa"/>
+        <a:font script="Sinh" typeface="Iskoola Pota"/>
+        <a:font script="Mong" typeface="Mongolian Baiti"/>
+        <a:font script="Viet" typeface="Arial"/>
+        <a:font script="Uigh" typeface="Microsoft Uighur"/>
+        <a:font script="Geor" typeface="Sylfaen"/>
+      </a:minorFont>
+    </a:fontScheme>
+    <a:fmtScheme name="Office">
+      <a:fillStyleLst>
+        <a:solidFill>
+          <a:schemeClr val="phClr"/>
+        </a:solidFill>
+        <a:gradFill rotWithShape="1">
+          <a:gsLst>
+            <a:gs pos="0">
+              <a:schemeClr val="phClr">
+                <a:tint val="50000"/>
+                <a:satMod val="300000"/>
+              </a:schemeClr>
+            </a:gs>
+            <a:gs pos="35000">
+              <a:schemeClr val="phClr">
+                <a:tint val="37000"/>
+                <a:satMod val="300000"/>
+              </a:schemeClr>
+            </a:gs>
+            <a:gs pos="100000">
+              <a:schemeClr val="phClr">
+                <a:tint val="15000"/>
+                <a:satMod val="350000"/>
+              </a:schemeClr>
+            </a:gs>
+          </a:gsLst>
+          <a:lin ang="16200000" scaled="1"/>
+        </a:gradFill>
+        <a:gradFill rotWithShape="1">
+          <a:gsLst>
+            <a:gs pos="0">
+              <a:schemeClr val="phClr">
+                <a:tint val="100000"/>
+                <a:shade val="100000"/>
+                <a:satMod val="130000"/>
+              </a:schemeClr>
+            </a:gs>
+            <a:gs pos="100000">
+              <a:schemeClr val="phClr">
+                <a:tint val="50000"/>
+                <a:shade val="100000"/>
+                <a:satMod val="350000"/>
+              </a:schemeClr>
+            </a:gs>
+          </a:gsLst>
+          <a:lin ang="16200000" scaled="0"/>
+        </a:gradFill>
+      </a:fillStyleLst>
+      <a:lnStyleLst>
+        <a:ln w="9525" cap="flat" cmpd="sng" algn="ctr">
+          <a:solidFill>
+            <a:schemeClr val="phClr">
+              <a:shade val="95000"/>
+              <a:satMod val="105000"/>
+            </a:schemeClr>
+          </a:solidFill>
+          <a:prstDash val="solid"/>
+        </a:ln>
+        <a:ln w="25400" cap="flat" cmpd="sng" algn="ctr">
+          <a:solidFill>
+            <a:schemeClr val="phClr"/>
+          </a:solidFill>
+          <a:prstDash val="solid"/>
+        </a:ln>
+        <a:ln w="38100" cap="flat" cmpd="sng" algn="ctr">
+          <a:solidFill>
+            <a:schemeClr val="phClr"/>
+          </a:solidFill>
+          <a:prstDash val="solid"/>
+        </a:ln>
+      </a:lnStyleLst>
+      <a:effectStyleLst>
+        <a:effectStyle>
+          <a:effectLst>
+            <a:outerShdw blurRad="40000" dist="20000" dir="5400000" rotWithShape="0">
+              <a:srgbClr val="000000">
+                <a:alpha val="38000"/>
+              </a:srgbClr>
+            </a:outerShdw>
+          </a:effectLst>
+        </a:effectStyle>
+        <a:effectStyle>
+          <a:effectLst>
+            <a:outerShdw blurRad="40000" dist="23000" dir="5400000" rotWithShape="0">
+              <a:srgbClr val="000000">
+                <a:alpha val="35000"/>
+              </a:srgbClr>
+            </a:outerShdw>
+          </a:effectLst>
+        </a:effectStyle>
+        <a:effectStyle>
+          <a:effectLst>
+            <a:outerShdw blurRad="40000" dist="23000" dir="5400000" rotWithShape="0">
+              <a:srgbClr val="000000">
+                <a:alpha val="35000"/>
+              </a:srgbClr>
+            </a:outerShdw>
+          </a:effectLst>
+          <a:scene3d>
+            <a:camera prst="orthographicFront">
+              <a:rot lat="0" lon="0" rev="0"/>
+            </a:camera>
+            <a:lightRig rig="threePt" dir="t">
+              <a:rot lat="0" lon="0" rev="1200000"/>
+            </a:lightRig>
+          </a:scene3d>
+          <a:sp3d>
+            <a:bevelT w="63500" h="25400"/>
+          </a:sp3d>
+        </a:effectStyle>
+      </a:effectStyleLst>
+      <a:bgFillStyleLst>
+        <a:solidFill>
+          <a:schemeClr val="phClr"/>
+        </a:solidFill>
+        <a:gradFill rotWithShape="1">
+          <a:gsLst>
+            <a:gs pos="0">
+              <a:schemeClr val="phClr">
+                <a:tint val="40000"/>
+                <a:satMod val="350000"/>
+              </a:schemeClr>
+            </a:gs>
+            <a:gs pos="40000">
+              <a:schemeClr val="phClr">
+                <a:tint val="45000"/>
+                <a:shade val="99000"/>
+                <a:satMod val="350000"/>
+              </a:schemeClr>
+            </a:gs>
+            <a:gs pos="100000">
+              <a:schemeClr val="phClr">
+                <a:shade val="20000"/>
+                <a:satMod val="255000"/>
+              </a:schemeClr>
+            </a:gs>
+          </a:gsLst>
+          <a:path path="circle">
+            <a:fillToRect l="50000" t="-80000" r="50000" b="180000"/>
+          </a:path>
+        </a:gradFill>
+        <a:gradFill rotWithShape="1">
+          <a:gsLst>
+            <a:gs pos="0">
+              <a:schemeClr val="phClr">
+                <a:tint val="80000"/>
+                <a:satMod val="300000"/>
+              </a:schemeClr>
+            </a:gs>
+            <a:gs pos="100000">
+              <a:schemeClr val="phClr">
+                <a:shade val="30000"/>
+                <a:satMod val="200000"/>
+              </a:schemeClr>
+            </a:gs>
+          </a:gsLst>
+          <a:path path="circle">
+            <a:fillToRect l="50000" t="50000" r="50000" b="50000"/>
+          </a:path>
+        </a:gradFill>
+      </a:bgFillStyleLst>
+    </a:fmtScheme>
+  </a:themeElements>
+</a:theme>
+</file>
+
+<file path=ppt/theme/theme2.xml><?xml version="1.0" encoding="utf-8"?>
 <a:theme xmlns:a="http://schemas.openxmlformats.org/drawingml/2006/main" xmlns:r="http://schemas.openxmlformats.org/officeDocument/2006/relationships">
   <a:themeElements>
     <a:clrScheme name="Default">
@@ -11561,283 +13095,4 @@
     </a:fmtScheme>
   </a:themeElements>
 </a:theme>
-</file>
-
-<file path=ppt/theme/theme2.xml><?xml version="1.0" encoding="utf-8"?>
-<a:theme xmlns:a="http://schemas.openxmlformats.org/drawingml/2006/main" xmlns:r="http://schemas.openxmlformats.org/officeDocument/2006/relationships" name="Focus">
-  <a:themeElements>
-    <a:clrScheme name="Focus">
-      <a:dk1>
-        <a:srgbClr val="1B212C"/>
-      </a:dk1>
-      <a:lt1>
-        <a:srgbClr val="FFFFFF"/>
-      </a:lt1>
-      <a:dk2>
-        <a:srgbClr val="D9D9D9"/>
-      </a:dk2>
-      <a:lt2>
-        <a:srgbClr val="82C7A5"/>
-      </a:lt2>
-      <a:accent1>
-        <a:srgbClr val="0145AC"/>
-      </a:accent1>
-      <a:accent2>
-        <a:srgbClr val="EECE1A"/>
-      </a:accent2>
-      <a:accent3>
-        <a:srgbClr val="4E5567"/>
-      </a:accent3>
-      <a:accent4>
-        <a:srgbClr val="F4D6AD"/>
-      </a:accent4>
-      <a:accent5>
-        <a:srgbClr val="7890CD"/>
-      </a:accent5>
-      <a:accent6>
-        <a:srgbClr val="F15E22"/>
-      </a:accent6>
-      <a:hlink>
-        <a:srgbClr val="7890CD"/>
-      </a:hlink>
-      <a:folHlink>
-        <a:srgbClr val="7890CD"/>
-      </a:folHlink>
-    </a:clrScheme>
-    <a:fontScheme name="Office">
-      <a:majorFont>
-        <a:latin typeface="Arial"/>
-        <a:ea typeface=""/>
-        <a:cs typeface=""/>
-        <a:font script="Jpan" typeface="ＭＳ Ｐゴシック"/>
-        <a:font script="Hang" typeface="맑은 고딕"/>
-        <a:font script="Hans" typeface="宋体"/>
-        <a:font script="Hant" typeface="新細明體"/>
-        <a:font script="Arab" typeface="Times New Roman"/>
-        <a:font script="Hebr" typeface="Times New Roman"/>
-        <a:font script="Thai" typeface="Angsana New"/>
-        <a:font script="Ethi" typeface="Nyala"/>
-        <a:font script="Beng" typeface="Vrinda"/>
-        <a:font script="Gujr" typeface="Shruti"/>
-        <a:font script="Khmr" typeface="MoolBoran"/>
-        <a:font script="Knda" typeface="Tunga"/>
-        <a:font script="Guru" typeface="Raavi"/>
-        <a:font script="Cans" typeface="Euphemia"/>
-        <a:font script="Cher" typeface="Plantagenet Cherokee"/>
-        <a:font script="Yiii" typeface="Microsoft Yi Baiti"/>
-        <a:font script="Tibt" typeface="Microsoft Himalaya"/>
-        <a:font script="Thaa" typeface="MV Boli"/>
-        <a:font script="Deva" typeface="Mangal"/>
-        <a:font script="Telu" typeface="Gautami"/>
-        <a:font script="Taml" typeface="Latha"/>
-        <a:font script="Syrc" typeface="Estrangelo Edessa"/>
-        <a:font script="Orya" typeface="Kalinga"/>
-        <a:font script="Mlym" typeface="Kartika"/>
-        <a:font script="Laoo" typeface="DokChampa"/>
-        <a:font script="Sinh" typeface="Iskoola Pota"/>
-        <a:font script="Mong" typeface="Mongolian Baiti"/>
-        <a:font script="Viet" typeface="Times New Roman"/>
-        <a:font script="Uigh" typeface="Microsoft Uighur"/>
-        <a:font script="Geor" typeface="Sylfaen"/>
-      </a:majorFont>
-      <a:minorFont>
-        <a:latin typeface="Arial"/>
-        <a:ea typeface=""/>
-        <a:cs typeface=""/>
-        <a:font script="Jpan" typeface="ＭＳ Ｐゴシック"/>
-        <a:font script="Hang" typeface="맑은 고딕"/>
-        <a:font script="Hans" typeface="宋体"/>
-        <a:font script="Hant" typeface="新細明體"/>
-        <a:font script="Arab" typeface="Arial"/>
-        <a:font script="Hebr" typeface="Arial"/>
-        <a:font script="Thai" typeface="Cordia New"/>
-        <a:font script="Ethi" typeface="Nyala"/>
-        <a:font script="Beng" typeface="Vrinda"/>
-        <a:font script="Gujr" typeface="Shruti"/>
-        <a:font script="Khmr" typeface="DaunPenh"/>
-        <a:font script="Knda" typeface="Tunga"/>
-        <a:font script="Guru" typeface="Raavi"/>
-        <a:font script="Cans" typeface="Euphemia"/>
-        <a:font script="Cher" typeface="Plantagenet Cherokee"/>
-        <a:font script="Yiii" typeface="Microsoft Yi Baiti"/>
-        <a:font script="Tibt" typeface="Microsoft Himalaya"/>
-        <a:font script="Thaa" typeface="MV Boli"/>
-        <a:font script="Deva" typeface="Mangal"/>
-        <a:font script="Telu" typeface="Gautami"/>
-        <a:font script="Taml" typeface="Latha"/>
-        <a:font script="Syrc" typeface="Estrangelo Edessa"/>
-        <a:font script="Orya" typeface="Kalinga"/>
-        <a:font script="Mlym" typeface="Kartika"/>
-        <a:font script="Laoo" typeface="DokChampa"/>
-        <a:font script="Sinh" typeface="Iskoola Pota"/>
-        <a:font script="Mong" typeface="Mongolian Baiti"/>
-        <a:font script="Viet" typeface="Arial"/>
-        <a:font script="Uigh" typeface="Microsoft Uighur"/>
-        <a:font script="Geor" typeface="Sylfaen"/>
-      </a:minorFont>
-    </a:fontScheme>
-    <a:fmtScheme name="Office">
-      <a:fillStyleLst>
-        <a:solidFill>
-          <a:schemeClr val="phClr"/>
-        </a:solidFill>
-        <a:gradFill rotWithShape="1">
-          <a:gsLst>
-            <a:gs pos="0">
-              <a:schemeClr val="phClr">
-                <a:tint val="50000"/>
-                <a:satMod val="300000"/>
-              </a:schemeClr>
-            </a:gs>
-            <a:gs pos="35000">
-              <a:schemeClr val="phClr">
-                <a:tint val="37000"/>
-                <a:satMod val="300000"/>
-              </a:schemeClr>
-            </a:gs>
-            <a:gs pos="100000">
-              <a:schemeClr val="phClr">
-                <a:tint val="15000"/>
-                <a:satMod val="350000"/>
-              </a:schemeClr>
-            </a:gs>
-          </a:gsLst>
-          <a:lin ang="16200000" scaled="1"/>
-        </a:gradFill>
-        <a:gradFill rotWithShape="1">
-          <a:gsLst>
-            <a:gs pos="0">
-              <a:schemeClr val="phClr">
-                <a:tint val="100000"/>
-                <a:shade val="100000"/>
-                <a:satMod val="130000"/>
-              </a:schemeClr>
-            </a:gs>
-            <a:gs pos="100000">
-              <a:schemeClr val="phClr">
-                <a:tint val="50000"/>
-                <a:shade val="100000"/>
-                <a:satMod val="350000"/>
-              </a:schemeClr>
-            </a:gs>
-          </a:gsLst>
-          <a:lin ang="16200000" scaled="0"/>
-        </a:gradFill>
-      </a:fillStyleLst>
-      <a:lnStyleLst>
-        <a:ln w="9525" cap="flat" cmpd="sng" algn="ctr">
-          <a:solidFill>
-            <a:schemeClr val="phClr">
-              <a:shade val="95000"/>
-              <a:satMod val="105000"/>
-            </a:schemeClr>
-          </a:solidFill>
-          <a:prstDash val="solid"/>
-        </a:ln>
-        <a:ln w="25400" cap="flat" cmpd="sng" algn="ctr">
-          <a:solidFill>
-            <a:schemeClr val="phClr"/>
-          </a:solidFill>
-          <a:prstDash val="solid"/>
-        </a:ln>
-        <a:ln w="38100" cap="flat" cmpd="sng" algn="ctr">
-          <a:solidFill>
-            <a:schemeClr val="phClr"/>
-          </a:solidFill>
-          <a:prstDash val="solid"/>
-        </a:ln>
-      </a:lnStyleLst>
-      <a:effectStyleLst>
-        <a:effectStyle>
-          <a:effectLst>
-            <a:outerShdw blurRad="40000" dist="20000" dir="5400000" rotWithShape="0">
-              <a:srgbClr val="000000">
-                <a:alpha val="38000"/>
-              </a:srgbClr>
-            </a:outerShdw>
-          </a:effectLst>
-        </a:effectStyle>
-        <a:effectStyle>
-          <a:effectLst>
-            <a:outerShdw blurRad="40000" dist="23000" dir="5400000" rotWithShape="0">
-              <a:srgbClr val="000000">
-                <a:alpha val="35000"/>
-              </a:srgbClr>
-            </a:outerShdw>
-          </a:effectLst>
-        </a:effectStyle>
-        <a:effectStyle>
-          <a:effectLst>
-            <a:outerShdw blurRad="40000" dist="23000" dir="5400000" rotWithShape="0">
-              <a:srgbClr val="000000">
-                <a:alpha val="35000"/>
-              </a:srgbClr>
-            </a:outerShdw>
-          </a:effectLst>
-          <a:scene3d>
-            <a:camera prst="orthographicFront">
-              <a:rot lat="0" lon="0" rev="0"/>
-            </a:camera>
-            <a:lightRig rig="threePt" dir="t">
-              <a:rot lat="0" lon="0" rev="1200000"/>
-            </a:lightRig>
-          </a:scene3d>
-          <a:sp3d>
-            <a:bevelT w="63500" h="25400"/>
-          </a:sp3d>
-        </a:effectStyle>
-      </a:effectStyleLst>
-      <a:bgFillStyleLst>
-        <a:solidFill>
-          <a:schemeClr val="phClr"/>
-        </a:solidFill>
-        <a:gradFill rotWithShape="1">
-          <a:gsLst>
-            <a:gs pos="0">
-              <a:schemeClr val="phClr">
-                <a:tint val="40000"/>
-                <a:satMod val="350000"/>
-              </a:schemeClr>
-            </a:gs>
-            <a:gs pos="40000">
-              <a:schemeClr val="phClr">
-                <a:tint val="45000"/>
-                <a:shade val="99000"/>
-                <a:satMod val="350000"/>
-              </a:schemeClr>
-            </a:gs>
-            <a:gs pos="100000">
-              <a:schemeClr val="phClr">
-                <a:shade val="20000"/>
-                <a:satMod val="255000"/>
-              </a:schemeClr>
-            </a:gs>
-          </a:gsLst>
-          <a:path path="circle">
-            <a:fillToRect l="50000" t="-80000" r="50000" b="180000"/>
-          </a:path>
-        </a:gradFill>
-        <a:gradFill rotWithShape="1">
-          <a:gsLst>
-            <a:gs pos="0">
-              <a:schemeClr val="phClr">
-                <a:tint val="80000"/>
-                <a:satMod val="300000"/>
-              </a:schemeClr>
-            </a:gs>
-            <a:gs pos="100000">
-              <a:schemeClr val="phClr">
-                <a:shade val="30000"/>
-                <a:satMod val="200000"/>
-              </a:schemeClr>
-            </a:gs>
-          </a:gsLst>
-          <a:path path="circle">
-            <a:fillToRect l="50000" t="50000" r="50000" b="50000"/>
-          </a:path>
-        </a:gradFill>
-      </a:bgFillStyleLst>
-    </a:fmtScheme>
-  </a:themeElements>
-</a:theme>
 </file>